--- a/REACT-DAY9/班会-简历编写.pptx
+++ b/REACT-DAY9/班会-简历编写.pptx
@@ -3931,7 +3931,7 @@
                 <a:latin typeface="楷体" panose="02010609060101010101" charset="-122"/>
                 <a:ea typeface="楷体" panose="02010609060101010101" charset="-122"/>
               </a:rPr>
-              <a:t>直聘、智联、前程无忧、猎聘</a:t>
+              <a:t>直聘、智联、前程无忧、猎聘、脉脉、大街、举贤</a:t>
             </a:r>
             <a:r>
               <a:rPr lang="en-US" altLang="zh-CN" sz="2400">
